--- a/MIDSEM and ENDSEM Presentations/IT458-IR_Endsem_Team-17_Nikhil_Amith.pptx
+++ b/MIDSEM and ENDSEM Presentations/IT458-IR_Endsem_Team-17_Nikhil_Amith.pptx
@@ -11292,7 +11292,7 @@
         </p:nvSpPr>
         <p:spPr>
           <a:xfrm>
-            <a:off x="1297500" y="1567550"/>
+            <a:off x="1255500" y="1567550"/>
             <a:ext cx="7038900" cy="2911200"/>
           </a:xfrm>
           <a:prstGeom prst="rect">
@@ -11316,19 +11316,7 @@
             </a:pPr>
             <a:r>
               <a:rPr lang="en" sz="1700"/>
-              <a:t>To show </a:t>
-            </a:r>
-            <a:r>
-              <a:rPr lang="en" sz="1700"/>
-              <a:t>the prevalence of unfairness in cold start recommender systems and  develop a  learnable post-processing model for enhancing fairness of the recommender system, </a:t>
-            </a:r>
-            <a:r>
-              <a:rPr lang="en" sz="1700"/>
-              <a:t>especially in the absence of user feedback data</a:t>
-            </a:r>
-            <a:r>
-              <a:rPr lang="en" sz="1700"/>
-              <a:t>.</a:t>
+              <a:t>To implement two machine learning models to improve the fairness in the ranking of and mitigate bias in recommenders in the cold start scenario.</a:t>
             </a:r>
             <a:endParaRPr sz="1700"/>
           </a:p>
@@ -12578,7 +12566,7 @@
         </p:nvSpPr>
         <p:spPr>
           <a:xfrm>
-            <a:off x="1192525" y="831425"/>
+            <a:off x="1224000" y="1083375"/>
             <a:ext cx="7404600" cy="3997200"/>
           </a:xfrm>
           <a:prstGeom prst="rect">
@@ -12603,7 +12591,7 @@
             </a:pPr>
             <a:r>
               <a:rPr lang="en" sz="1600"/>
-              <a:t>We implemented various approaches to mitigate specific problems faced by cold start recommendation systems, such as bias of the cold start recommendation system as a whole (taken care of in gen method), and popularity bias which is taken care by the score scaling method. Hence we get fairly better results than the base paper.</a:t>
+              <a:t>We implemented Dropout-Net based mitigating factor and RNN to to make use of each user’s recommendation by feeding it into an RNN in the Auto-encoder component. Hence, we observed fairly better results that the base paper.</a:t>
             </a:r>
             <a:endParaRPr sz="1600"/>
           </a:p>
@@ -12635,7 +12623,7 @@
             </a:pPr>
             <a:r>
               <a:rPr lang="en" sz="1600"/>
-              <a:t>We also run the gen and scale models with k=200 ( 200 cold start items in a batch).  This greatly increases the values of the precision, recall and NDCG.</a:t>
+              <a:t>We also run the models with k=200 ( 200 cold start items in a batch).  This greatly increases the values of the precision, recall and NDCG.</a:t>
             </a:r>
             <a:endParaRPr sz="1600"/>
           </a:p>
@@ -12826,7 +12814,7 @@
         </p:spPr>
         <p:txBody>
           <a:bodyPr anchorCtr="0" anchor="t" bIns="91425" lIns="91425" spcFirstLastPara="1" rIns="91425" wrap="square" tIns="91425">
-            <a:normAutofit fontScale="92500"/>
+            <a:normAutofit fontScale="92500" lnSpcReduction="10000"/>
           </a:bodyPr>
           <a:lstStyle/>
           <a:p>
@@ -12841,7 +12829,7 @@
             </a:pPr>
             <a:r>
               <a:rPr lang="en" sz="1800"/>
-              <a:t>In this work, we investigate the fairness among new items in cold start recommendation systems. First, we experimentally prove the presence of unfairness in existing cold start systems. </a:t>
+              <a:t>In this work, we investigated the fairness among new items in cold start recommendation systems.</a:t>
             </a:r>
             <a:endParaRPr sz="1800"/>
           </a:p>
@@ -12872,7 +12860,23 @@
             </a:pPr>
             <a:r>
               <a:rPr lang="en" sz="1800"/>
-              <a:t>We implemented two concrete models – Scale and Gen. Lastly, we perform experiments to show the effectiveness of the two proposed models for enhancing fairness and preserving recommendation utility.</a:t>
+              <a:t>We implemented the Scoring scaling and joint-learning generative models.</a:t>
+            </a:r>
+            <a:endParaRPr sz="1800"/>
+          </a:p>
+          <a:p>
+            <a:pPr indent="0" lvl="0" marL="0" rtl="0" algn="l">
+              <a:spcBef>
+                <a:spcPts val="1200"/>
+              </a:spcBef>
+              <a:spcAft>
+                <a:spcPts val="0"/>
+              </a:spcAft>
+              <a:buNone/>
+            </a:pPr>
+            <a:r>
+              <a:rPr lang="en" sz="1800"/>
+              <a:t> Lastly, we perform experiments to show the effectiveness of the two proposed models for enhancing fairness and preserving recommendation utility.</a:t>
             </a:r>
             <a:endParaRPr sz="1800"/>
           </a:p>
@@ -12977,7 +12981,7 @@
         </p:spPr>
         <p:txBody>
           <a:bodyPr anchorCtr="0" anchor="t" bIns="91425" lIns="91425" spcFirstLastPara="1" rIns="91425" wrap="square" tIns="91425">
-            <a:normAutofit lnSpcReduction="10000"/>
+            <a:normAutofit/>
           </a:bodyPr>
           <a:lstStyle/>
           <a:p>
@@ -12993,11 +12997,11 @@
             </a:pPr>
             <a:r>
               <a:rPr lang="en" sz="1700"/>
-              <a:t>Explore the recommendation fairness between cold and warm items in a unified recommendation scenario, </a:t>
+              <a:t>Explore other techniques to mitigate unfairness and bias in cold start recommenders</a:t>
             </a:r>
             <a:r>
               <a:rPr lang="en" sz="1700"/>
-              <a:t>so as to apply this model in real-world context.</a:t>
+              <a:t>.</a:t>
             </a:r>
             <a:endParaRPr sz="1700"/>
           </a:p>
@@ -13189,7 +13193,15 @@
             </a:pPr>
             <a:r>
               <a:rPr lang="en" sz="1600"/>
-              <a:t>In this project we investigated the recommendation fairness among new items. Previous efforts in this field have studied fairness in recommender systems in scenarios where unfairness arises due to biased prior user-feedback history (like clicks or views). However, to date, the problem of ensuring fairness has not been studied in a system without feedback history. </a:t>
+              <a:t>Till date, attempts to study bias and fairness in recommender systems have focused on improving fairness and mitigating bias </a:t>
+            </a:r>
+            <a:r>
+              <a:rPr lang="en" sz="1600"/>
+              <a:t>in situations </a:t>
+            </a:r>
+            <a:r>
+              <a:rPr lang="en" sz="1600"/>
+              <a:t> where a history of the item already exists. In this project, we explore the bias against new items without any feedback history which are added to recommender systems. </a:t>
             </a:r>
             <a:endParaRPr sz="1600"/>
           </a:p>
@@ -13220,7 +13232,7 @@
             </a:pPr>
             <a:r>
               <a:rPr lang="en" sz="1600"/>
-              <a:t>In this project, we implemented a learnable post-processing framework as a blueprint for enhancing fairness, with which we create two concrete models. Experiments over the ML1M dataset shows the effectiveness of these models for enhancing fairness while also preserving recommendation utility.</a:t>
+              <a:t>For this purpose, we implement two models to mitigate bias, by using fairness measures such as equal opportunity and Rawlsian Min-Max scores and incorporating them into our models. We train and test our model over the ML1M dataset, and achieve favourable results over the base paper.</a:t>
             </a:r>
             <a:endParaRPr sz="1600"/>
           </a:p>
@@ -13334,7 +13346,15 @@
             </a:r>
             <a:r>
               <a:rPr lang="en" sz="1700"/>
-              <a:t>: Data Preprocessing on the ML1M dataset, implementing joint-learning generative model.</a:t>
+              <a:t>: Data Preprocessing on the ML1M dataset, implementing </a:t>
+            </a:r>
+            <a:r>
+              <a:rPr lang="en" sz="1700"/>
+              <a:t>score-scaling</a:t>
+            </a:r>
+            <a:r>
+              <a:rPr lang="en" sz="1700"/>
+              <a:t> model.</a:t>
             </a:r>
             <a:endParaRPr sz="1700"/>
           </a:p>
@@ -13370,7 +13390,15 @@
             </a:r>
             <a:r>
               <a:rPr lang="en" sz="1700"/>
-              <a:t>: Data Preprocessing on the ML1M dataset, implementing score-scaling model.</a:t>
+              <a:t>: Data Preprocessing on the ML1M dataset, implementing </a:t>
+            </a:r>
+            <a:r>
+              <a:rPr lang="en" sz="1700"/>
+              <a:t>joint-learning generative</a:t>
+            </a:r>
+            <a:r>
+              <a:rPr lang="en" sz="1700"/>
+              <a:t> model.</a:t>
             </a:r>
             <a:endParaRPr sz="1700"/>
           </a:p>
@@ -13879,7 +13907,7 @@
             </a:pPr>
             <a:r>
               <a:rPr lang="en" sz="1700"/>
-              <a:t>However, a challenge associated with recommender systems is ensuring the fairness of the recommendations. For example, in a a recruiting recommender that recommends job candidates , are candidates of different genders treated equally? Unfairness in recommendation may lead to potential negative impacts to user satisfaction, the recommendation platform itself, etc.</a:t>
+              <a:t>However, a challenge associated with recommender systems is ensuring the fairness of the recommendations. For example, in a product recommender, how do we ensure the recommender gives equal treatment to products from big companies and products from new entrants ? Unfairness in recommendation may lead to potential negative impacts to user satisfaction, the recommendation platform itself, etc.</a:t>
             </a:r>
             <a:endParaRPr sz="1700"/>
           </a:p>
@@ -13961,7 +13989,7 @@
         <p:spPr>
           <a:xfrm>
             <a:off x="1297500" y="1264450"/>
-            <a:ext cx="7038900" cy="3214500"/>
+            <a:ext cx="7415100" cy="3585000"/>
           </a:xfrm>
           <a:prstGeom prst="rect">
             <a:avLst/>
@@ -13994,7 +14022,7 @@
             <a:endParaRPr sz="1700"/>
           </a:p>
           <a:p>
-            <a:pPr indent="0" lvl="0" marL="457200" rtl="0" algn="l">
+            <a:pPr indent="0" lvl="0" marL="0" rtl="0" algn="l">
               <a:spcBef>
                 <a:spcPts val="1200"/>
               </a:spcBef>
@@ -14021,7 +14049,22 @@
             </a:pPr>
             <a:r>
               <a:rPr lang="en" sz="1700"/>
-              <a:t>What if there is no historical feedback?</a:t>
+              <a:t>We know that the data bias can be transferred from warm start items to new items through item content features due to the nature of machine learning algorithms.</a:t>
+            </a:r>
+            <a:endParaRPr sz="1700"/>
+          </a:p>
+          <a:p>
+            <a:pPr indent="0" lvl="0" marL="0" rtl="0" algn="l">
+              <a:spcBef>
+                <a:spcPts val="1200"/>
+              </a:spcBef>
+              <a:spcAft>
+                <a:spcPts val="1200"/>
+              </a:spcAft>
+              <a:buNone/>
+            </a:pPr>
+            <a:r>
+              <a:t/>
             </a:r>
             <a:endParaRPr sz="1700"/>
           </a:p>
@@ -14102,8 +14145,8 @@
         </p:nvSpPr>
         <p:spPr>
           <a:xfrm>
-            <a:off x="1297500" y="1264450"/>
-            <a:ext cx="7038900" cy="3214500"/>
+            <a:off x="1150525" y="1253950"/>
+            <a:ext cx="7677300" cy="3480300"/>
           </a:xfrm>
           <a:prstGeom prst="rect">
             <a:avLst/>
@@ -14127,12 +14170,12 @@
             </a:pPr>
             <a:r>
               <a:rPr lang="en" sz="1700"/>
-              <a:t>We know that the data bias can be transferred from warm start items to new items through item content features due to the nature of machine learning algorithms.</a:t>
+              <a:t>This fairness gap can be especially problematic since unfairness introduced by cold start recommenders will be perpetuated and accumulated through the entire life cycle of an item, resulting in growing difficulty for mitigating unfairness as the life cycle goes on.</a:t>
             </a:r>
             <a:endParaRPr sz="1700"/>
           </a:p>
           <a:p>
-            <a:pPr indent="0" lvl="0" marL="457200" rtl="0" algn="l">
+            <a:pPr indent="0" lvl="0" marL="0" rtl="0" algn="l">
               <a:spcBef>
                 <a:spcPts val="1200"/>
               </a:spcBef>
@@ -14159,7 +14202,7 @@
             </a:pPr>
             <a:r>
               <a:rPr lang="en" sz="1700"/>
-              <a:t>This fairness gap can be especially problematic since unfairness introduced by cold start recommenders will be perpetuated and accumulated through the entire life cycle of an item, resulting in growing difficulty for mitigating unfairness as the life cycle goes on.</a:t>
+              <a:t>One significant obstacle we face is the issue of formally defining fairness. How exactly should we quantify the concept of fairness? In this work, we follow two well-known concepts – equal opportunity and Rawlsian Max-Min fairness principle, and incorporate these concepts in our models.</a:t>
             </a:r>
             <a:endParaRPr sz="1700"/>
           </a:p>
@@ -14265,31 +14308,7 @@
             </a:pPr>
             <a:r>
               <a:rPr lang="en" sz="1700"/>
-              <a:t>One significant obstacle we face is the issue of formally defining fairness. How exactly should we quantify the concept of fairness? In this work, we follow two well-known concepts – </a:t>
-            </a:r>
-            <a:r>
-              <a:rPr b="1" lang="en" sz="1700"/>
-              <a:t>equal opportunity</a:t>
-            </a:r>
-            <a:r>
-              <a:rPr lang="en" sz="1700"/>
-              <a:t> and </a:t>
-            </a:r>
-            <a:r>
-              <a:rPr b="1" lang="en" sz="1700"/>
-              <a:t>Rawlsian Max-Min fairness</a:t>
-            </a:r>
-            <a:r>
-              <a:rPr lang="en" sz="1700"/>
-              <a:t> principle of distributive justice – to introduce the </a:t>
-            </a:r>
-            <a:r>
-              <a:rPr b="1" i="1" lang="en" sz="1700"/>
-              <a:t>Max-Min Opportunity Fairness</a:t>
-            </a:r>
-            <a:r>
-              <a:rPr lang="en" sz="1700"/>
-              <a:t> in the context of cold start scenarios.</a:t>
+              <a:t>By following equal opportunity to measure fairness by the true positive rate, the fairness is directly aligned with the feedback or economic gain items receive as well as user satisfaction.  The TPR is defined as the ratio of number of accurate recommendations made of items to users who will like it, to the total number of recommendations made. </a:t>
             </a:r>
             <a:endParaRPr sz="1700"/>
           </a:p>
@@ -14321,23 +14340,7 @@
             </a:pPr>
             <a:r>
               <a:rPr lang="en" sz="1700"/>
-              <a:t>In a classification task, </a:t>
-            </a:r>
-            <a:r>
-              <a:rPr b="1" lang="en" sz="1700"/>
-              <a:t>equal opportunity</a:t>
-            </a:r>
-            <a:r>
-              <a:rPr lang="en" sz="1700"/>
-              <a:t> requires a model to produce the same true positive rate (TPR) for all individuals or groups. </a:t>
-            </a:r>
-            <a:r>
-              <a:rPr b="1" lang="en" sz="1700"/>
-              <a:t>Rawlsian Max-Min fairness</a:t>
-            </a:r>
-            <a:r>
-              <a:rPr lang="en" sz="1700"/>
-              <a:t> requires a model to maximize the minimum utility of individuals or groups so that no subject is underserved by the model.</a:t>
+              <a:t>By following Rawlsian Max-Min fairness to accept inequalities, the fairness does not require decreasing utility for the better-served items and thus can  better preserve the overall utility.</a:t>
             </a:r>
             <a:endParaRPr sz="1700"/>
           </a:p>
@@ -14472,7 +14475,7 @@
             </a:pPr>
             <a:r>
               <a:rPr lang="en" sz="1800"/>
-              <a:t>To create an equitable recommender system which gives fair recommendations to users even when there is no input about the users’ preferences.</a:t>
+              <a:t>To create an equitable recommender system which gives fair recommendations to users even when there is no input about the new items.</a:t>
             </a:r>
             <a:endParaRPr sz="1800"/>
           </a:p>
@@ -14558,7 +14561,7 @@
             <a:tbl>
               <a:tblPr>
                 <a:noFill/>
-                <a:tableStyleId>{81BA9087-05C8-4A26-9389-A073C0AF3952}</a:tableStyleId>
+                <a:tableStyleId>{2D45A895-C576-435D-8D2B-92CC3259DB15}</a:tableStyleId>
               </a:tblPr>
               <a:tblGrid>
                 <a:gridCol w="2251800"/>
@@ -14942,7 +14945,7 @@
         </p:nvSpPr>
         <p:spPr>
           <a:xfrm>
-            <a:off x="1297500" y="393750"/>
+            <a:off x="1297500" y="498725"/>
             <a:ext cx="7038900" cy="914100"/>
           </a:xfrm>
           <a:prstGeom prst="rect">
@@ -14982,7 +14985,7 @@
         </p:nvSpPr>
         <p:spPr>
           <a:xfrm>
-            <a:off x="1297500" y="1567550"/>
+            <a:off x="1297500" y="1976875"/>
             <a:ext cx="7038900" cy="2911200"/>
           </a:xfrm>
           <a:prstGeom prst="rect">
@@ -15006,7 +15009,7 @@
             </a:pPr>
             <a:r>
               <a:rPr lang="en" sz="1700"/>
-              <a:t>In our literature review, we found that most papers in the domain of recommender systems focussed on improving fairness in scenarios where unfairness arises due to biased prior user-feedback history (like clicks or views). Hence, unfairness in systems which do not have any user data was not explored till now.</a:t>
+              <a:t>In our literature review, we found that most papers in the domain of recommender systems focussed on improving fairness in the warm start scenario ( in the middle of an item’s life cycle in the recommender).  On the other hand, we focus on the cold start scenario (during the start of an item’s life cycle)</a:t>
             </a:r>
             <a:endParaRPr sz="1700"/>
           </a:p>
@@ -15036,6 +15039,285 @@
 </file>
 
 <file path=ppt/theme/theme1.xml><?xml version="1.0" encoding="utf-8"?>
+<a:theme xmlns:a="http://schemas.openxmlformats.org/drawingml/2006/main" xmlns:r="http://schemas.openxmlformats.org/officeDocument/2006/relationships" name="Focus">
+  <a:themeElements>
+    <a:clrScheme name="Focus">
+      <a:dk1>
+        <a:srgbClr val="1B212C"/>
+      </a:dk1>
+      <a:lt1>
+        <a:srgbClr val="FFFFFF"/>
+      </a:lt1>
+      <a:dk2>
+        <a:srgbClr val="D9D9D9"/>
+      </a:dk2>
+      <a:lt2>
+        <a:srgbClr val="82C7A5"/>
+      </a:lt2>
+      <a:accent1>
+        <a:srgbClr val="0145AC"/>
+      </a:accent1>
+      <a:accent2>
+        <a:srgbClr val="EECE1A"/>
+      </a:accent2>
+      <a:accent3>
+        <a:srgbClr val="4E5567"/>
+      </a:accent3>
+      <a:accent4>
+        <a:srgbClr val="F4D6AD"/>
+      </a:accent4>
+      <a:accent5>
+        <a:srgbClr val="7890CD"/>
+      </a:accent5>
+      <a:accent6>
+        <a:srgbClr val="F15E22"/>
+      </a:accent6>
+      <a:hlink>
+        <a:srgbClr val="7890CD"/>
+      </a:hlink>
+      <a:folHlink>
+        <a:srgbClr val="7890CD"/>
+      </a:folHlink>
+    </a:clrScheme>
+    <a:fontScheme name="Office">
+      <a:majorFont>
+        <a:latin typeface="Arial"/>
+        <a:ea typeface=""/>
+        <a:cs typeface=""/>
+        <a:font script="Jpan" typeface="ＭＳ Ｐゴシック"/>
+        <a:font script="Hang" typeface="맑은 고딕"/>
+        <a:font script="Hans" typeface="宋体"/>
+        <a:font script="Hant" typeface="新細明體"/>
+        <a:font script="Arab" typeface="Times New Roman"/>
+        <a:font script="Hebr" typeface="Times New Roman"/>
+        <a:font script="Thai" typeface="Angsana New"/>
+        <a:font script="Ethi" typeface="Nyala"/>
+        <a:font script="Beng" typeface="Vrinda"/>
+        <a:font script="Gujr" typeface="Shruti"/>
+        <a:font script="Khmr" typeface="MoolBoran"/>
+        <a:font script="Knda" typeface="Tunga"/>
+        <a:font script="Guru" typeface="Raavi"/>
+        <a:font script="Cans" typeface="Euphemia"/>
+        <a:font script="Cher" typeface="Plantagenet Cherokee"/>
+        <a:font script="Yiii" typeface="Microsoft Yi Baiti"/>
+        <a:font script="Tibt" typeface="Microsoft Himalaya"/>
+        <a:font script="Thaa" typeface="MV Boli"/>
+        <a:font script="Deva" typeface="Mangal"/>
+        <a:font script="Telu" typeface="Gautami"/>
+        <a:font script="Taml" typeface="Latha"/>
+        <a:font script="Syrc" typeface="Estrangelo Edessa"/>
+        <a:font script="Orya" typeface="Kalinga"/>
+        <a:font script="Mlym" typeface="Kartika"/>
+        <a:font script="Laoo" typeface="DokChampa"/>
+        <a:font script="Sinh" typeface="Iskoola Pota"/>
+        <a:font script="Mong" typeface="Mongolian Baiti"/>
+        <a:font script="Viet" typeface="Times New Roman"/>
+        <a:font script="Uigh" typeface="Microsoft Uighur"/>
+        <a:font script="Geor" typeface="Sylfaen"/>
+      </a:majorFont>
+      <a:minorFont>
+        <a:latin typeface="Arial"/>
+        <a:ea typeface=""/>
+        <a:cs typeface=""/>
+        <a:font script="Jpan" typeface="ＭＳ Ｐゴシック"/>
+        <a:font script="Hang" typeface="맑은 고딕"/>
+        <a:font script="Hans" typeface="宋体"/>
+        <a:font script="Hant" typeface="新細明體"/>
+        <a:font script="Arab" typeface="Arial"/>
+        <a:font script="Hebr" typeface="Arial"/>
+        <a:font script="Thai" typeface="Cordia New"/>
+        <a:font script="Ethi" typeface="Nyala"/>
+        <a:font script="Beng" typeface="Vrinda"/>
+        <a:font script="Gujr" typeface="Shruti"/>
+        <a:font script="Khmr" typeface="DaunPenh"/>
+        <a:font script="Knda" typeface="Tunga"/>
+        <a:font script="Guru" typeface="Raavi"/>
+        <a:font script="Cans" typeface="Euphemia"/>
+        <a:font script="Cher" typeface="Plantagenet Cherokee"/>
+        <a:font script="Yiii" typeface="Microsoft Yi Baiti"/>
+        <a:font script="Tibt" typeface="Microsoft Himalaya"/>
+        <a:font script="Thaa" typeface="MV Boli"/>
+        <a:font script="Deva" typeface="Mangal"/>
+        <a:font script="Telu" typeface="Gautami"/>
+        <a:font script="Taml" typeface="Latha"/>
+        <a:font script="Syrc" typeface="Estrangelo Edessa"/>
+        <a:font script="Orya" typeface="Kalinga"/>
+        <a:font script="Mlym" typeface="Kartika"/>
+        <a:font script="Laoo" typeface="DokChampa"/>
+        <a:font script="Sinh" typeface="Iskoola Pota"/>
+        <a:font script="Mong" typeface="Mongolian Baiti"/>
+        <a:font script="Viet" typeface="Arial"/>
+        <a:font script="Uigh" typeface="Microsoft Uighur"/>
+        <a:font script="Geor" typeface="Sylfaen"/>
+      </a:minorFont>
+    </a:fontScheme>
+    <a:fmtScheme name="Office">
+      <a:fillStyleLst>
+        <a:solidFill>
+          <a:schemeClr val="phClr"/>
+        </a:solidFill>
+        <a:gradFill rotWithShape="1">
+          <a:gsLst>
+            <a:gs pos="0">
+              <a:schemeClr val="phClr">
+                <a:tint val="50000"/>
+                <a:satMod val="300000"/>
+              </a:schemeClr>
+            </a:gs>
+            <a:gs pos="35000">
+              <a:schemeClr val="phClr">
+                <a:tint val="37000"/>
+                <a:satMod val="300000"/>
+              </a:schemeClr>
+            </a:gs>
+            <a:gs pos="100000">
+              <a:schemeClr val="phClr">
+                <a:tint val="15000"/>
+                <a:satMod val="350000"/>
+              </a:schemeClr>
+            </a:gs>
+          </a:gsLst>
+          <a:lin ang="16200000" scaled="1"/>
+        </a:gradFill>
+        <a:gradFill rotWithShape="1">
+          <a:gsLst>
+            <a:gs pos="0">
+              <a:schemeClr val="phClr">
+                <a:tint val="100000"/>
+                <a:shade val="100000"/>
+                <a:satMod val="130000"/>
+              </a:schemeClr>
+            </a:gs>
+            <a:gs pos="100000">
+              <a:schemeClr val="phClr">
+                <a:tint val="50000"/>
+                <a:shade val="100000"/>
+                <a:satMod val="350000"/>
+              </a:schemeClr>
+            </a:gs>
+          </a:gsLst>
+          <a:lin ang="16200000" scaled="0"/>
+        </a:gradFill>
+      </a:fillStyleLst>
+      <a:lnStyleLst>
+        <a:ln w="9525" cap="flat" cmpd="sng" algn="ctr">
+          <a:solidFill>
+            <a:schemeClr val="phClr">
+              <a:shade val="95000"/>
+              <a:satMod val="105000"/>
+            </a:schemeClr>
+          </a:solidFill>
+          <a:prstDash val="solid"/>
+        </a:ln>
+        <a:ln w="25400" cap="flat" cmpd="sng" algn="ctr">
+          <a:solidFill>
+            <a:schemeClr val="phClr"/>
+          </a:solidFill>
+          <a:prstDash val="solid"/>
+        </a:ln>
+        <a:ln w="38100" cap="flat" cmpd="sng" algn="ctr">
+          <a:solidFill>
+            <a:schemeClr val="phClr"/>
+          </a:solidFill>
+          <a:prstDash val="solid"/>
+        </a:ln>
+      </a:lnStyleLst>
+      <a:effectStyleLst>
+        <a:effectStyle>
+          <a:effectLst>
+            <a:outerShdw blurRad="40000" dist="20000" dir="5400000" rotWithShape="0">
+              <a:srgbClr val="000000">
+                <a:alpha val="38000"/>
+              </a:srgbClr>
+            </a:outerShdw>
+          </a:effectLst>
+        </a:effectStyle>
+        <a:effectStyle>
+          <a:effectLst>
+            <a:outerShdw blurRad="40000" dist="23000" dir="5400000" rotWithShape="0">
+              <a:srgbClr val="000000">
+                <a:alpha val="35000"/>
+              </a:srgbClr>
+            </a:outerShdw>
+          </a:effectLst>
+        </a:effectStyle>
+        <a:effectStyle>
+          <a:effectLst>
+            <a:outerShdw blurRad="40000" dist="23000" dir="5400000" rotWithShape="0">
+              <a:srgbClr val="000000">
+                <a:alpha val="35000"/>
+              </a:srgbClr>
+            </a:outerShdw>
+          </a:effectLst>
+          <a:scene3d>
+            <a:camera prst="orthographicFront">
+              <a:rot lat="0" lon="0" rev="0"/>
+            </a:camera>
+            <a:lightRig rig="threePt" dir="t">
+              <a:rot lat="0" lon="0" rev="1200000"/>
+            </a:lightRig>
+          </a:scene3d>
+          <a:sp3d>
+            <a:bevelT w="63500" h="25400"/>
+          </a:sp3d>
+        </a:effectStyle>
+      </a:effectStyleLst>
+      <a:bgFillStyleLst>
+        <a:solidFill>
+          <a:schemeClr val="phClr"/>
+        </a:solidFill>
+        <a:gradFill rotWithShape="1">
+          <a:gsLst>
+            <a:gs pos="0">
+              <a:schemeClr val="phClr">
+                <a:tint val="40000"/>
+                <a:satMod val="350000"/>
+              </a:schemeClr>
+            </a:gs>
+            <a:gs pos="40000">
+              <a:schemeClr val="phClr">
+                <a:tint val="45000"/>
+                <a:shade val="99000"/>
+                <a:satMod val="350000"/>
+              </a:schemeClr>
+            </a:gs>
+            <a:gs pos="100000">
+              <a:schemeClr val="phClr">
+                <a:shade val="20000"/>
+                <a:satMod val="255000"/>
+              </a:schemeClr>
+            </a:gs>
+          </a:gsLst>
+          <a:path path="circle">
+            <a:fillToRect l="50000" t="-80000" r="50000" b="180000"/>
+          </a:path>
+        </a:gradFill>
+        <a:gradFill rotWithShape="1">
+          <a:gsLst>
+            <a:gs pos="0">
+              <a:schemeClr val="phClr">
+                <a:tint val="80000"/>
+                <a:satMod val="300000"/>
+              </a:schemeClr>
+            </a:gs>
+            <a:gs pos="100000">
+              <a:schemeClr val="phClr">
+                <a:shade val="30000"/>
+                <a:satMod val="200000"/>
+              </a:schemeClr>
+            </a:gs>
+          </a:gsLst>
+          <a:path path="circle">
+            <a:fillToRect l="50000" t="50000" r="50000" b="50000"/>
+          </a:path>
+        </a:gradFill>
+      </a:bgFillStyleLst>
+    </a:fmtScheme>
+  </a:themeElements>
+</a:theme>
+</file>
+
+<file path=ppt/theme/theme2.xml><?xml version="1.0" encoding="utf-8"?>
 <a:theme xmlns:a="http://schemas.openxmlformats.org/drawingml/2006/main" xmlns:r="http://schemas.openxmlformats.org/officeDocument/2006/relationships">
   <a:themeElements>
     <a:clrScheme name="Default">
@@ -15312,283 +15594,4 @@
     </a:fmtScheme>
   </a:themeElements>
 </a:theme>
-</file>
-
-<file path=ppt/theme/theme2.xml><?xml version="1.0" encoding="utf-8"?>
-<a:theme xmlns:a="http://schemas.openxmlformats.org/drawingml/2006/main" xmlns:r="http://schemas.openxmlformats.org/officeDocument/2006/relationships" name="Focus">
-  <a:themeElements>
-    <a:clrScheme name="Focus">
-      <a:dk1>
-        <a:srgbClr val="1B212C"/>
-      </a:dk1>
-      <a:lt1>
-        <a:srgbClr val="FFFFFF"/>
-      </a:lt1>
-      <a:dk2>
-        <a:srgbClr val="D9D9D9"/>
-      </a:dk2>
-      <a:lt2>
-        <a:srgbClr val="82C7A5"/>
-      </a:lt2>
-      <a:accent1>
-        <a:srgbClr val="0145AC"/>
-      </a:accent1>
-      <a:accent2>
-        <a:srgbClr val="EECE1A"/>
-      </a:accent2>
-      <a:accent3>
-        <a:srgbClr val="4E5567"/>
-      </a:accent3>
-      <a:accent4>
-        <a:srgbClr val="F4D6AD"/>
-      </a:accent4>
-      <a:accent5>
-        <a:srgbClr val="7890CD"/>
-      </a:accent5>
-      <a:accent6>
-        <a:srgbClr val="F15E22"/>
-      </a:accent6>
-      <a:hlink>
-        <a:srgbClr val="7890CD"/>
-      </a:hlink>
-      <a:folHlink>
-        <a:srgbClr val="7890CD"/>
-      </a:folHlink>
-    </a:clrScheme>
-    <a:fontScheme name="Office">
-      <a:majorFont>
-        <a:latin typeface="Arial"/>
-        <a:ea typeface=""/>
-        <a:cs typeface=""/>
-        <a:font script="Jpan" typeface="ＭＳ Ｐゴシック"/>
-        <a:font script="Hang" typeface="맑은 고딕"/>
-        <a:font script="Hans" typeface="宋体"/>
-        <a:font script="Hant" typeface="新細明體"/>
-        <a:font script="Arab" typeface="Times New Roman"/>
-        <a:font script="Hebr" typeface="Times New Roman"/>
-        <a:font script="Thai" typeface="Angsana New"/>
-        <a:font script="Ethi" typeface="Nyala"/>
-        <a:font script="Beng" typeface="Vrinda"/>
-        <a:font script="Gujr" typeface="Shruti"/>
-        <a:font script="Khmr" typeface="MoolBoran"/>
-        <a:font script="Knda" typeface="Tunga"/>
-        <a:font script="Guru" typeface="Raavi"/>
-        <a:font script="Cans" typeface="Euphemia"/>
-        <a:font script="Cher" typeface="Plantagenet Cherokee"/>
-        <a:font script="Yiii" typeface="Microsoft Yi Baiti"/>
-        <a:font script="Tibt" typeface="Microsoft Himalaya"/>
-        <a:font script="Thaa" typeface="MV Boli"/>
-        <a:font script="Deva" typeface="Mangal"/>
-        <a:font script="Telu" typeface="Gautami"/>
-        <a:font script="Taml" typeface="Latha"/>
-        <a:font script="Syrc" typeface="Estrangelo Edessa"/>
-        <a:font script="Orya" typeface="Kalinga"/>
-        <a:font script="Mlym" typeface="Kartika"/>
-        <a:font script="Laoo" typeface="DokChampa"/>
-        <a:font script="Sinh" typeface="Iskoola Pota"/>
-        <a:font script="Mong" typeface="Mongolian Baiti"/>
-        <a:font script="Viet" typeface="Times New Roman"/>
-        <a:font script="Uigh" typeface="Microsoft Uighur"/>
-        <a:font script="Geor" typeface="Sylfaen"/>
-      </a:majorFont>
-      <a:minorFont>
-        <a:latin typeface="Arial"/>
-        <a:ea typeface=""/>
-        <a:cs typeface=""/>
-        <a:font script="Jpan" typeface="ＭＳ Ｐゴシック"/>
-        <a:font script="Hang" typeface="맑은 고딕"/>
-        <a:font script="Hans" typeface="宋体"/>
-        <a:font script="Hant" typeface="新細明體"/>
-        <a:font script="Arab" typeface="Arial"/>
-        <a:font script="Hebr" typeface="Arial"/>
-        <a:font script="Thai" typeface="Cordia New"/>
-        <a:font script="Ethi" typeface="Nyala"/>
-        <a:font script="Beng" typeface="Vrinda"/>
-        <a:font script="Gujr" typeface="Shruti"/>
-        <a:font script="Khmr" typeface="DaunPenh"/>
-        <a:font script="Knda" typeface="Tunga"/>
-        <a:font script="Guru" typeface="Raavi"/>
-        <a:font script="Cans" typeface="Euphemia"/>
-        <a:font script="Cher" typeface="Plantagenet Cherokee"/>
-        <a:font script="Yiii" typeface="Microsoft Yi Baiti"/>
-        <a:font script="Tibt" typeface="Microsoft Himalaya"/>
-        <a:font script="Thaa" typeface="MV Boli"/>
-        <a:font script="Deva" typeface="Mangal"/>
-        <a:font script="Telu" typeface="Gautami"/>
-        <a:font script="Taml" typeface="Latha"/>
-        <a:font script="Syrc" typeface="Estrangelo Edessa"/>
-        <a:font script="Orya" typeface="Kalinga"/>
-        <a:font script="Mlym" typeface="Kartika"/>
-        <a:font script="Laoo" typeface="DokChampa"/>
-        <a:font script="Sinh" typeface="Iskoola Pota"/>
-        <a:font script="Mong" typeface="Mongolian Baiti"/>
-        <a:font script="Viet" typeface="Arial"/>
-        <a:font script="Uigh" typeface="Microsoft Uighur"/>
-        <a:font script="Geor" typeface="Sylfaen"/>
-      </a:minorFont>
-    </a:fontScheme>
-    <a:fmtScheme name="Office">
-      <a:fillStyleLst>
-        <a:solidFill>
-          <a:schemeClr val="phClr"/>
-        </a:solidFill>
-        <a:gradFill rotWithShape="1">
-          <a:gsLst>
-            <a:gs pos="0">
-              <a:schemeClr val="phClr">
-                <a:tint val="50000"/>
-                <a:satMod val="300000"/>
-              </a:schemeClr>
-            </a:gs>
-            <a:gs pos="35000">
-              <a:schemeClr val="phClr">
-                <a:tint val="37000"/>
-                <a:satMod val="300000"/>
-              </a:schemeClr>
-            </a:gs>
-            <a:gs pos="100000">
-              <a:schemeClr val="phClr">
-                <a:tint val="15000"/>
-                <a:satMod val="350000"/>
-              </a:schemeClr>
-            </a:gs>
-          </a:gsLst>
-          <a:lin ang="16200000" scaled="1"/>
-        </a:gradFill>
-        <a:gradFill rotWithShape="1">
-          <a:gsLst>
-            <a:gs pos="0">
-              <a:schemeClr val="phClr">
-                <a:tint val="100000"/>
-                <a:shade val="100000"/>
-                <a:satMod val="130000"/>
-              </a:schemeClr>
-            </a:gs>
-            <a:gs pos="100000">
-              <a:schemeClr val="phClr">
-                <a:tint val="50000"/>
-                <a:shade val="100000"/>
-                <a:satMod val="350000"/>
-              </a:schemeClr>
-            </a:gs>
-          </a:gsLst>
-          <a:lin ang="16200000" scaled="0"/>
-        </a:gradFill>
-      </a:fillStyleLst>
-      <a:lnStyleLst>
-        <a:ln w="9525" cap="flat" cmpd="sng" algn="ctr">
-          <a:solidFill>
-            <a:schemeClr val="phClr">
-              <a:shade val="95000"/>
-              <a:satMod val="105000"/>
-            </a:schemeClr>
-          </a:solidFill>
-          <a:prstDash val="solid"/>
-        </a:ln>
-        <a:ln w="25400" cap="flat" cmpd="sng" algn="ctr">
-          <a:solidFill>
-            <a:schemeClr val="phClr"/>
-          </a:solidFill>
-          <a:prstDash val="solid"/>
-        </a:ln>
-        <a:ln w="38100" cap="flat" cmpd="sng" algn="ctr">
-          <a:solidFill>
-            <a:schemeClr val="phClr"/>
-          </a:solidFill>
-          <a:prstDash val="solid"/>
-        </a:ln>
-      </a:lnStyleLst>
-      <a:effectStyleLst>
-        <a:effectStyle>
-          <a:effectLst>
-            <a:outerShdw blurRad="40000" dist="20000" dir="5400000" rotWithShape="0">
-              <a:srgbClr val="000000">
-                <a:alpha val="38000"/>
-              </a:srgbClr>
-            </a:outerShdw>
-          </a:effectLst>
-        </a:effectStyle>
-        <a:effectStyle>
-          <a:effectLst>
-            <a:outerShdw blurRad="40000" dist="23000" dir="5400000" rotWithShape="0">
-              <a:srgbClr val="000000">
-                <a:alpha val="35000"/>
-              </a:srgbClr>
-            </a:outerShdw>
-          </a:effectLst>
-        </a:effectStyle>
-        <a:effectStyle>
-          <a:effectLst>
-            <a:outerShdw blurRad="40000" dist="23000" dir="5400000" rotWithShape="0">
-              <a:srgbClr val="000000">
-                <a:alpha val="35000"/>
-              </a:srgbClr>
-            </a:outerShdw>
-          </a:effectLst>
-          <a:scene3d>
-            <a:camera prst="orthographicFront">
-              <a:rot lat="0" lon="0" rev="0"/>
-            </a:camera>
-            <a:lightRig rig="threePt" dir="t">
-              <a:rot lat="0" lon="0" rev="1200000"/>
-            </a:lightRig>
-          </a:scene3d>
-          <a:sp3d>
-            <a:bevelT w="63500" h="25400"/>
-          </a:sp3d>
-        </a:effectStyle>
-      </a:effectStyleLst>
-      <a:bgFillStyleLst>
-        <a:solidFill>
-          <a:schemeClr val="phClr"/>
-        </a:solidFill>
-        <a:gradFill rotWithShape="1">
-          <a:gsLst>
-            <a:gs pos="0">
-              <a:schemeClr val="phClr">
-                <a:tint val="40000"/>
-                <a:satMod val="350000"/>
-              </a:schemeClr>
-            </a:gs>
-            <a:gs pos="40000">
-              <a:schemeClr val="phClr">
-                <a:tint val="45000"/>
-                <a:shade val="99000"/>
-                <a:satMod val="350000"/>
-              </a:schemeClr>
-            </a:gs>
-            <a:gs pos="100000">
-              <a:schemeClr val="phClr">
-                <a:shade val="20000"/>
-                <a:satMod val="255000"/>
-              </a:schemeClr>
-            </a:gs>
-          </a:gsLst>
-          <a:path path="circle">
-            <a:fillToRect l="50000" t="-80000" r="50000" b="180000"/>
-          </a:path>
-        </a:gradFill>
-        <a:gradFill rotWithShape="1">
-          <a:gsLst>
-            <a:gs pos="0">
-              <a:schemeClr val="phClr">
-                <a:tint val="80000"/>
-                <a:satMod val="300000"/>
-              </a:schemeClr>
-            </a:gs>
-            <a:gs pos="100000">
-              <a:schemeClr val="phClr">
-                <a:shade val="30000"/>
-                <a:satMod val="200000"/>
-              </a:schemeClr>
-            </a:gs>
-          </a:gsLst>
-          <a:path path="circle">
-            <a:fillToRect l="50000" t="50000" r="50000" b="50000"/>
-          </a:path>
-        </a:gradFill>
-      </a:bgFillStyleLst>
-    </a:fmtScheme>
-  </a:themeElements>
-</a:theme>
 </file>